--- a/portal/tutorials/getting_started.pptx
+++ b/portal/tutorials/getting_started.pptx
@@ -21,6 +21,8 @@
     <p:sldId id="272" r:id="rId15"/>
     <p:sldId id="274" r:id="rId16"/>
     <p:sldId id="275" r:id="rId17"/>
+    <p:sldId id="276" r:id="rId18"/>
+    <p:sldId id="277" r:id="rId19"/>
   </p:sldIdLst>
   <p:sldSz cx="9144000" cy="6858000" type="screen4x3"/>
   <p:notesSz cx="6858000" cy="9144000"/>
@@ -3091,7 +3093,7 @@
               </a:stretch>
             </p:blipFill>
           </mc:Choice>
-          <mc:Fallback xmlns:p="http://schemas.openxmlformats.org/presentationml/2006/main" xmlns:mv="urn:schemas-microsoft-com:mac:vml" xmlns:mc="http://schemas.openxmlformats.org/markup-compatibility/2006" xmlns:r="http://schemas.openxmlformats.org/officeDocument/2006/relationships" xmlns:a="http://schemas.openxmlformats.org/drawingml/2006/main" xmlns="">
+          <mc:Fallback xmlns:ma="http://schemas.microsoft.com/office/mac/drawingml/2008/main" xmlns="" xmlns:a="http://schemas.openxmlformats.org/drawingml/2006/main" xmlns:r="http://schemas.openxmlformats.org/officeDocument/2006/relationships" xmlns:mc="http://schemas.openxmlformats.org/markup-compatibility/2006" xmlns:mv="urn:schemas-microsoft-com:mac:vml" xmlns:p="http://schemas.openxmlformats.org/presentationml/2006/main">
             <p:blipFill>
               <a:blip r:embed="rId3"/>
               <a:stretch>
@@ -4563,6 +4565,389 @@
           </a:prstGeom>
         </p:spPr>
       </p:pic>
+      <p:sp>
+        <p:nvSpPr>
+          <p:cNvPr id="3" name="Rounded Rectangle 2"/>
+          <p:cNvSpPr/>
+          <p:nvPr/>
+        </p:nvSpPr>
+        <p:spPr>
+          <a:xfrm>
+            <a:off x="5121464" y="256465"/>
+            <a:ext cx="3700801" cy="618110"/>
+          </a:xfrm>
+          <a:prstGeom prst="roundRect">
+            <a:avLst/>
+          </a:prstGeom>
+          <a:gradFill>
+            <a:gsLst>
+              <a:gs pos="0">
+                <a:schemeClr val="tx2">
+                  <a:lumMod val="20000"/>
+                  <a:lumOff val="80000"/>
+                </a:schemeClr>
+              </a:gs>
+              <a:gs pos="100000">
+                <a:schemeClr val="bg1"/>
+              </a:gs>
+            </a:gsLst>
+          </a:gradFill>
+        </p:spPr>
+        <p:style>
+          <a:lnRef idx="1">
+            <a:schemeClr val="accent1"/>
+          </a:lnRef>
+          <a:fillRef idx="3">
+            <a:schemeClr val="accent1"/>
+          </a:fillRef>
+          <a:effectRef idx="2">
+            <a:schemeClr val="accent1"/>
+          </a:effectRef>
+          <a:fontRef idx="minor">
+            <a:schemeClr val="lt1"/>
+          </a:fontRef>
+        </p:style>
+        <p:txBody>
+          <a:bodyPr rtlCol="0" anchor="ctr"/>
+          <a:lstStyle/>
+          <a:p>
+            <a:pPr algn="ctr"/>
+            <a:endParaRPr lang="en-US"/>
+          </a:p>
+        </p:txBody>
+      </p:sp>
+      <p:sp>
+        <p:nvSpPr>
+          <p:cNvPr id="4" name="TextBox 3"/>
+          <p:cNvSpPr txBox="1"/>
+          <p:nvPr/>
+        </p:nvSpPr>
+        <p:spPr>
+          <a:xfrm>
+            <a:off x="5410113" y="219381"/>
+            <a:ext cx="3304384" cy="646331"/>
+          </a:xfrm>
+          <a:prstGeom prst="rect">
+            <a:avLst/>
+          </a:prstGeom>
+          <a:noFill/>
+        </p:spPr>
+        <p:txBody>
+          <a:bodyPr wrap="square" rtlCol="0">
+            <a:spAutoFit/>
+          </a:bodyPr>
+          <a:lstStyle/>
+          <a:p>
+            <a:r>
+              <a:rPr lang="en-US" sz="3600" b="1" dirty="0" smtClean="0"/>
+              <a:t>Data Download</a:t>
+            </a:r>
+            <a:endParaRPr lang="en-US" sz="3600" dirty="0"/>
+          </a:p>
+        </p:txBody>
+      </p:sp>
+    </p:spTree>
+  </p:cSld>
+  <p:clrMapOvr>
+    <a:masterClrMapping/>
+  </p:clrMapOvr>
+</p:sld>
+</file>
+
+<file path=ppt/slides/slide17.xml><?xml version="1.0" encoding="utf-8"?>
+<p:sld xmlns:a="http://schemas.openxmlformats.org/drawingml/2006/main" xmlns:r="http://schemas.openxmlformats.org/officeDocument/2006/relationships" xmlns:mc="http://schemas.openxmlformats.org/markup-compatibility/2006" xmlns:mv="urn:schemas-microsoft-com:mac:vml" xmlns:p="http://schemas.openxmlformats.org/presentationml/2006/main" mc:Ignorable="mv" mc:PreserveAttributes="mv:*">
+  <p:cSld>
+    <p:spTree>
+      <p:nvGrpSpPr>
+        <p:cNvPr id="1" name=""/>
+        <p:cNvGrpSpPr/>
+        <p:nvPr/>
+      </p:nvGrpSpPr>
+      <p:grpSpPr>
+        <a:xfrm>
+          <a:off x="0" y="0"/>
+          <a:ext cx="0" cy="0"/>
+          <a:chOff x="0" y="0"/>
+          <a:chExt cx="0" cy="0"/>
+        </a:xfrm>
+      </p:grpSpPr>
+      <p:pic>
+        <p:nvPicPr>
+          <p:cNvPr id="2" name="Picture 1"/>
+          <p:cNvPicPr>
+            <a:picLocks noChangeAspect="1"/>
+          </p:cNvPicPr>
+          <p:nvPr/>
+        </p:nvPicPr>
+        <p:blipFill>
+          <a:blip r:embed="rId2"/>
+          <a:stretch>
+            <a:fillRect/>
+          </a:stretch>
+        </p:blipFill>
+        <p:spPr>
+          <a:xfrm>
+            <a:off x="430669" y="1556005"/>
+            <a:ext cx="6826801" cy="2381010"/>
+          </a:xfrm>
+          <a:prstGeom prst="rect">
+            <a:avLst/>
+          </a:prstGeom>
+        </p:spPr>
+      </p:pic>
+      <p:sp>
+        <p:nvSpPr>
+          <p:cNvPr id="3" name="Rounded Rectangle 2"/>
+          <p:cNvSpPr/>
+          <p:nvPr/>
+        </p:nvSpPr>
+        <p:spPr>
+          <a:xfrm>
+            <a:off x="4760954" y="1038224"/>
+            <a:ext cx="3500348" cy="1501699"/>
+          </a:xfrm>
+          <a:prstGeom prst="roundRect">
+            <a:avLst/>
+          </a:prstGeom>
+          <a:solidFill>
+            <a:schemeClr val="bg1"/>
+          </a:solidFill>
+          <a:ln w="38100">
+            <a:solidFill>
+              <a:schemeClr val="accent2"/>
+            </a:solidFill>
+          </a:ln>
+        </p:spPr>
+        <p:style>
+          <a:lnRef idx="1">
+            <a:schemeClr val="accent1"/>
+          </a:lnRef>
+          <a:fillRef idx="3">
+            <a:schemeClr val="accent1"/>
+          </a:fillRef>
+          <a:effectRef idx="2">
+            <a:schemeClr val="accent1"/>
+          </a:effectRef>
+          <a:fontRef idx="minor">
+            <a:schemeClr val="lt1"/>
+          </a:fontRef>
+        </p:style>
+        <p:txBody>
+          <a:bodyPr rtlCol="0" anchor="ctr"/>
+          <a:lstStyle/>
+          <a:p>
+            <a:pPr algn="ctr"/>
+            <a:endParaRPr lang="en-US"/>
+          </a:p>
+        </p:txBody>
+      </p:sp>
+      <p:cxnSp>
+        <p:nvCxnSpPr>
+          <p:cNvPr id="4" name="Straight Arrow Connector 3"/>
+          <p:cNvCxnSpPr>
+            <a:stCxn id="3" idx="1"/>
+          </p:cNvCxnSpPr>
+          <p:nvPr/>
+        </p:nvCxnSpPr>
+        <p:spPr>
+          <a:xfrm rot="10800000" flipV="1">
+            <a:off x="1847356" y="1789074"/>
+            <a:ext cx="2913598" cy="462220"/>
+          </a:xfrm>
+          <a:prstGeom prst="straightConnector1">
+            <a:avLst/>
+          </a:prstGeom>
+          <a:ln w="50800">
+            <a:solidFill>
+              <a:schemeClr val="accent2"/>
+            </a:solidFill>
+            <a:tailEnd type="arrow"/>
+          </a:ln>
+        </p:spPr>
+        <p:style>
+          <a:lnRef idx="2">
+            <a:schemeClr val="accent1"/>
+          </a:lnRef>
+          <a:fillRef idx="0">
+            <a:schemeClr val="accent1"/>
+          </a:fillRef>
+          <a:effectRef idx="1">
+            <a:schemeClr val="accent1"/>
+          </a:effectRef>
+          <a:fontRef idx="minor">
+            <a:schemeClr val="tx1"/>
+          </a:fontRef>
+        </p:style>
+      </p:cxnSp>
+      <p:sp>
+        <p:nvSpPr>
+          <p:cNvPr id="7" name="TextBox 6"/>
+          <p:cNvSpPr txBox="1"/>
+          <p:nvPr/>
+        </p:nvSpPr>
+        <p:spPr>
+          <a:xfrm>
+            <a:off x="4789081" y="1038225"/>
+            <a:ext cx="3342438" cy="1384995"/>
+          </a:xfrm>
+          <a:prstGeom prst="rect">
+            <a:avLst/>
+          </a:prstGeom>
+          <a:noFill/>
+        </p:spPr>
+        <p:txBody>
+          <a:bodyPr wrap="square" rtlCol="0">
+            <a:spAutoFit/>
+          </a:bodyPr>
+          <a:lstStyle/>
+          <a:p>
+            <a:r>
+              <a:rPr lang="en-US" sz="2800" b="1" dirty="0" smtClean="0">
+                <a:solidFill>
+                  <a:schemeClr val="accent2"/>
+                </a:solidFill>
+              </a:rPr>
+              <a:t>You can always modify your query here…</a:t>
+            </a:r>
+            <a:endParaRPr lang="en-US" sz="2800" b="1" dirty="0" smtClean="0">
+              <a:solidFill>
+                <a:schemeClr val="accent2"/>
+              </a:solidFill>
+            </a:endParaRPr>
+          </a:p>
+        </p:txBody>
+      </p:sp>
+    </p:spTree>
+  </p:cSld>
+  <p:clrMapOvr>
+    <a:masterClrMapping/>
+  </p:clrMapOvr>
+</p:sld>
+</file>
+
+<file path=ppt/slides/slide18.xml><?xml version="1.0" encoding="utf-8"?>
+<p:sld xmlns:a="http://schemas.openxmlformats.org/drawingml/2006/main" xmlns:r="http://schemas.openxmlformats.org/officeDocument/2006/relationships" xmlns:mc="http://schemas.openxmlformats.org/markup-compatibility/2006" xmlns:mv="urn:schemas-microsoft-com:mac:vml" xmlns:p="http://schemas.openxmlformats.org/presentationml/2006/main" mc:Ignorable="mv" mc:PreserveAttributes="mv:*">
+  <p:cSld>
+    <p:spTree>
+      <p:nvGrpSpPr>
+        <p:cNvPr id="1" name=""/>
+        <p:cNvGrpSpPr/>
+        <p:nvPr/>
+      </p:nvGrpSpPr>
+      <p:grpSpPr>
+        <a:xfrm>
+          <a:off x="0" y="0"/>
+          <a:ext cx="0" cy="0"/>
+          <a:chOff x="0" y="0"/>
+          <a:chExt cx="0" cy="0"/>
+        </a:xfrm>
+      </p:grpSpPr>
+      <p:sp>
+        <p:nvSpPr>
+          <p:cNvPr id="2" name="Rounded Rectangle 1"/>
+          <p:cNvSpPr/>
+          <p:nvPr/>
+        </p:nvSpPr>
+        <p:spPr>
+          <a:xfrm>
+            <a:off x="412099" y="670460"/>
+            <a:ext cx="8469081" cy="5318067"/>
+          </a:xfrm>
+          <a:prstGeom prst="roundRect">
+            <a:avLst/>
+          </a:prstGeom>
+          <a:gradFill>
+            <a:gsLst>
+              <a:gs pos="0">
+                <a:schemeClr val="tx2">
+                  <a:lumMod val="20000"/>
+                  <a:lumOff val="80000"/>
+                </a:schemeClr>
+              </a:gs>
+              <a:gs pos="100000">
+                <a:schemeClr val="bg1"/>
+              </a:gs>
+            </a:gsLst>
+          </a:gradFill>
+        </p:spPr>
+        <p:style>
+          <a:lnRef idx="1">
+            <a:schemeClr val="accent1"/>
+          </a:lnRef>
+          <a:fillRef idx="3">
+            <a:schemeClr val="accent1"/>
+          </a:fillRef>
+          <a:effectRef idx="2">
+            <a:schemeClr val="accent1"/>
+          </a:effectRef>
+          <a:fontRef idx="minor">
+            <a:schemeClr val="lt1"/>
+          </a:fontRef>
+        </p:style>
+        <p:txBody>
+          <a:bodyPr rtlCol="0" anchor="ctr"/>
+          <a:lstStyle/>
+          <a:p>
+            <a:pPr algn="ctr"/>
+            <a:endParaRPr lang="en-US"/>
+          </a:p>
+        </p:txBody>
+      </p:sp>
+      <p:sp>
+        <p:nvSpPr>
+          <p:cNvPr id="3" name="TextBox 2"/>
+          <p:cNvSpPr txBox="1"/>
+          <p:nvPr/>
+        </p:nvSpPr>
+        <p:spPr>
+          <a:xfrm>
+            <a:off x="446651" y="1177520"/>
+            <a:ext cx="8453456" cy="4524315"/>
+          </a:xfrm>
+          <a:prstGeom prst="rect">
+            <a:avLst/>
+          </a:prstGeom>
+          <a:noFill/>
+        </p:spPr>
+        <p:txBody>
+          <a:bodyPr wrap="none" rtlCol="0">
+            <a:spAutoFit/>
+          </a:bodyPr>
+          <a:lstStyle/>
+          <a:p>
+            <a:r>
+              <a:rPr lang="en-US" sz="4800" u="sng" dirty="0" smtClean="0"/>
+              <a:t>Questions?</a:t>
+            </a:r>
+          </a:p>
+          <a:p>
+            <a:endParaRPr lang="en-US" sz="4800" u="sng" dirty="0" smtClean="0"/>
+          </a:p>
+          <a:p>
+            <a:r>
+              <a:rPr lang="en-US" sz="4800" dirty="0" smtClean="0"/>
+              <a:t>Send us an email at: </a:t>
+            </a:r>
+          </a:p>
+          <a:p>
+            <a:endParaRPr lang="en-US" sz="4800" dirty="0" smtClean="0"/>
+          </a:p>
+          <a:p>
+            <a:r>
+              <a:rPr lang="en-US" sz="4800" dirty="0" err="1" smtClean="0"/>
+              <a:t>cancergenomics@cbio.mskcc.org</a:t>
+            </a:r>
+            <a:endParaRPr lang="en-US" sz="4800" dirty="0" smtClean="0"/>
+          </a:p>
+          <a:p>
+            <a:pPr>
+              <a:buFontTx/>
+              <a:buChar char="-"/>
+            </a:pPr>
+            <a:endParaRPr lang="en-US" sz="4800" dirty="0"/>
+          </a:p>
+        </p:txBody>
+      </p:sp>
     </p:spTree>
   </p:cSld>
   <p:clrMapOvr>
